--- a/website-sources/images-source.pptx
+++ b/website-sources/images-source.pptx
@@ -3099,7 +3099,7 @@
       </p:grpSpPr>
       <p:pic>
         <p:nvPicPr>
-          <p:cNvPr id="5" name="Image 4"/>
+          <p:cNvPr id="4" name="Image 3"/>
           <p:cNvPicPr>
             <a:picLocks noChangeAspect="1"/>
           </p:cNvPicPr>
@@ -3113,8 +3113,8 @@
         </p:blipFill>
         <p:spPr>
           <a:xfrm>
-            <a:off x="280558" y="97794"/>
-            <a:ext cx="7557721" cy="5938605"/>
+            <a:off x="2991258" y="6125009"/>
+            <a:ext cx="4847021" cy="596924"/>
           </a:xfrm>
           <a:prstGeom prst="rect">
             <a:avLst/>
@@ -3130,7 +3130,7 @@
       </p:pic>
       <p:pic>
         <p:nvPicPr>
-          <p:cNvPr id="4" name="Image 3"/>
+          <p:cNvPr id="2" name="Image 1"/>
           <p:cNvPicPr>
             <a:picLocks noChangeAspect="1"/>
           </p:cNvPicPr>
@@ -3144,8 +3144,8 @@
         </p:blipFill>
         <p:spPr>
           <a:xfrm>
-            <a:off x="2991258" y="6125009"/>
-            <a:ext cx="4847021" cy="596924"/>
+            <a:off x="812144" y="191435"/>
+            <a:ext cx="7026135" cy="5830198"/>
           </a:xfrm>
           <a:prstGeom prst="rect">
             <a:avLst/>

--- a/website-sources/images-source.pptx
+++ b/website-sources/images-source.pptx
@@ -3191,7 +3191,7 @@
       </p:grpSpPr>
       <p:pic>
         <p:nvPicPr>
-          <p:cNvPr id="5" name="Image 4"/>
+          <p:cNvPr id="2" name="Image 1"/>
           <p:cNvPicPr>
             <a:picLocks noChangeAspect="1"/>
           </p:cNvPicPr>
@@ -3205,8 +3205,8 @@
         </p:blipFill>
         <p:spPr>
           <a:xfrm>
-            <a:off x="989339" y="457818"/>
-            <a:ext cx="7200043" cy="5691309"/>
+            <a:off x="871208" y="320713"/>
+            <a:ext cx="7720537" cy="5990862"/>
           </a:xfrm>
           <a:prstGeom prst="rect">
             <a:avLst/>
